--- a/doc/soutenanceSARV2.pptx
+++ b/doc/soutenanceSARV2.pptx
@@ -4399,14 +4399,14 @@
               <a:buNone/>
             </a:pPr>
             <a:r>
-              <a:rPr lang="fr-FR" sz="4400" dirty="0"/>
-              <a:t>Application web pour interpréter l’algèbre </a:t>
-            </a:r>
-            <a:r>
-              <a:rPr lang="fr-FR" sz="4400" dirty="0" smtClean="0"/>
-              <a:t>relationnelle</a:t>
-            </a:r>
-            <a:endParaRPr lang="fr-FR" sz="4400" dirty="0"/>
+              <a:rPr lang="fr-FR" sz="4400" dirty="0" smtClean="0">
+                <a:latin typeface="+mj-lt"/>
+              </a:rPr>
+              <a:t>Application web pour interpréter l’algèbre relationnelle</a:t>
+            </a:r>
+            <a:endParaRPr lang="fr-FR" sz="4400" dirty="0">
+              <a:latin typeface="+mj-lt"/>
+            </a:endParaRPr>
           </a:p>
         </p:txBody>
       </p:sp>
@@ -4420,7 +4420,7 @@
         </p:nvSpPr>
         <p:spPr>
           <a:xfrm>
-            <a:off x="556500" y="3801658"/>
+            <a:off x="556500" y="3615391"/>
             <a:ext cx="10058400" cy="4050792"/>
           </a:xfrm>
           <a:prstGeom prst="rect">
@@ -4675,7 +4675,7 @@
           </a:lstStyle>
           <a:p>
             <a:r>
-              <a:rPr lang="fr-FR" dirty="0" smtClean="0"/>
+              <a:rPr lang="fr-FR" sz="2800" dirty="0" smtClean="0"/>
               <a:t>Présenté par :</a:t>
             </a:r>
           </a:p>
@@ -4684,7 +4684,7 @@
               <a:buNone/>
             </a:pPr>
             <a:r>
-              <a:rPr lang="fr-FR" dirty="0" smtClean="0"/>
+              <a:rPr lang="fr-FR" sz="2800" dirty="0" smtClean="0"/>
               <a:t>    Gatien Continsouzas</a:t>
             </a:r>
           </a:p>
@@ -4693,11 +4693,11 @@
               <a:buNone/>
             </a:pPr>
             <a:r>
-              <a:rPr lang="fr-FR" dirty="0"/>
+              <a:rPr lang="fr-FR" sz="2800" dirty="0"/>
               <a:t> </a:t>
             </a:r>
             <a:r>
-              <a:rPr lang="fr-FR" dirty="0" smtClean="0"/>
+              <a:rPr lang="fr-FR" sz="2800" dirty="0" smtClean="0"/>
               <a:t>   Nicolas Courvoisier</a:t>
             </a:r>
           </a:p>
@@ -4706,12 +4706,27 @@
               <a:buNone/>
             </a:pPr>
             <a:r>
-              <a:rPr lang="fr-FR" dirty="0"/>
+              <a:rPr lang="fr-FR" sz="2800" dirty="0"/>
               <a:t> </a:t>
             </a:r>
             <a:r>
+              <a:rPr lang="fr-FR" sz="2800" dirty="0" smtClean="0"/>
+              <a:t>   Cédric Poncot</a:t>
+            </a:r>
+          </a:p>
+          <a:p>
+            <a:pPr marL="0" indent="0">
+              <a:buNone/>
+            </a:pPr>
+            <a:endParaRPr lang="fr-FR" dirty="0" smtClean="0"/>
+          </a:p>
+          <a:p>
+            <a:pPr marL="0" indent="0">
+              <a:buNone/>
+            </a:pPr>
+            <a:r>
               <a:rPr lang="fr-FR" dirty="0" smtClean="0"/>
-              <a:t>   Poncot Cédric</a:t>
+              <a:t>Année 2018-2019					        Licence 3 Informatique</a:t>
             </a:r>
           </a:p>
         </p:txBody>
@@ -5019,6 +5034,36 @@
           </a:p>
         </p:txBody>
       </p:sp>
+      <p:pic>
+        <p:nvPicPr>
+          <p:cNvPr id="2" name="Image 1"/>
+          <p:cNvPicPr>
+            <a:picLocks noChangeAspect="1"/>
+          </p:cNvPicPr>
+          <p:nvPr/>
+        </p:nvPicPr>
+        <p:blipFill>
+          <a:blip r:embed="rId3">
+            <a:extLst>
+              <a:ext uri="{28A0092B-C50C-407E-A947-70E740481C1C}">
+                <a14:useLocalDpi xmlns:a14="http://schemas.microsoft.com/office/drawing/2010/main" val="0"/>
+              </a:ext>
+            </a:extLst>
+          </a:blip>
+          <a:stretch>
+            <a:fillRect/>
+          </a:stretch>
+        </p:blipFill>
+        <p:spPr>
+          <a:xfrm>
+            <a:off x="0" y="0"/>
+            <a:ext cx="2800741" cy="876422"/>
+          </a:xfrm>
+          <a:prstGeom prst="rect">
+            <a:avLst/>
+          </a:prstGeom>
+        </p:spPr>
+      </p:pic>
     </p:spTree>
     <p:extLst>
       <p:ext uri="{BB962C8B-B14F-4D97-AF65-F5344CB8AC3E}">
@@ -5029,6 +5074,13 @@
   <p:clrMapOvr>
     <a:masterClrMapping/>
   </p:clrMapOvr>
+  <p:timing>
+    <p:tnLst>
+      <p:par>
+        <p:cTn id="1" dur="indefinite" restart="never" nodeType="tmRoot"/>
+      </p:par>
+    </p:tnLst>
+  </p:timing>
 </p:sld>
 </file>
 
@@ -5362,11 +5414,7 @@
           <a:p>
             <a:r>
               <a:rPr lang="fr-FR" sz="3200" dirty="0" smtClean="0"/>
-              <a:t>Développement de l’application </a:t>
-            </a:r>
-            <a:r>
-              <a:rPr lang="fr-FR" sz="3200" dirty="0" smtClean="0"/>
-              <a:t>web</a:t>
+              <a:t>Développement de l’application web</a:t>
             </a:r>
           </a:p>
           <a:p>
@@ -5460,7 +5508,7 @@
                   </a:schemeClr>
                 </a:solidFill>
               </a:rPr>
-              <a:t>Convivialité </a:t>
+              <a:t>Convivialité et </a:t>
             </a:r>
             <a:r>
               <a:rPr lang="fr-FR" sz="2800" dirty="0">
@@ -5470,7 +5518,7 @@
                   </a:schemeClr>
                 </a:solidFill>
               </a:rPr>
-              <a:t>&amp; design</a:t>
+              <a:t>design</a:t>
             </a:r>
           </a:p>
           <a:p>
@@ -5482,8 +5530,10 @@
                   </a:schemeClr>
                 </a:solidFill>
               </a:rPr>
-              <a:t>Résultats </a:t>
-            </a:r>
+              <a:t>Résultats et états du projet</a:t>
+            </a:r>
+          </a:p>
+          <a:p>
             <a:r>
               <a:rPr lang="fr-FR" sz="3200" dirty="0" smtClean="0">
                 <a:solidFill>
@@ -5492,37 +5542,8 @@
                   </a:schemeClr>
                 </a:solidFill>
               </a:rPr>
-              <a:t>&amp; états du projet</a:t>
-            </a:r>
-          </a:p>
-          <a:p>
-            <a:r>
-              <a:rPr lang="fr-FR" sz="3200" dirty="0" smtClean="0">
-                <a:solidFill>
-                  <a:schemeClr val="bg1">
-                    <a:lumMod val="85000"/>
-                  </a:schemeClr>
-                </a:solidFill>
-              </a:rPr>
-              <a:t>Conclusion &amp; </a:t>
-            </a:r>
-            <a:r>
-              <a:rPr lang="fr-FR" sz="3200" dirty="0" smtClean="0">
-                <a:solidFill>
-                  <a:schemeClr val="bg1">
-                    <a:lumMod val="85000"/>
-                  </a:schemeClr>
-                </a:solidFill>
-              </a:rPr>
-              <a:t>perspectives</a:t>
-            </a:r>
-            <a:endParaRPr lang="fr-FR" sz="3200" dirty="0" smtClean="0">
-              <a:solidFill>
-                <a:schemeClr val="bg1">
-                  <a:lumMod val="85000"/>
-                </a:schemeClr>
-              </a:solidFill>
-            </a:endParaRPr>
+              <a:t>Conclusion et perspectives</a:t>
+            </a:r>
           </a:p>
         </p:txBody>
       </p:sp>
@@ -5536,6 +5557,13 @@
   <p:clrMapOvr>
     <a:masterClrMapping/>
   </p:clrMapOvr>
+  <p:timing>
+    <p:tnLst>
+      <p:par>
+        <p:cTn id="1" dur="indefinite" restart="never" nodeType="tmRoot"/>
+      </p:par>
+    </p:tnLst>
+  </p:timing>
 </p:sld>
 </file>
 
@@ -5698,6 +5726,36 @@
           </a:prstGeom>
         </p:spPr>
       </p:pic>
+      <p:pic>
+        <p:nvPicPr>
+          <p:cNvPr id="6" name="Image 5"/>
+          <p:cNvPicPr>
+            <a:picLocks noChangeAspect="1"/>
+          </p:cNvPicPr>
+          <p:nvPr/>
+        </p:nvPicPr>
+        <p:blipFill>
+          <a:blip r:embed="rId4">
+            <a:extLst>
+              <a:ext uri="{28A0092B-C50C-407E-A947-70E740481C1C}">
+                <a14:useLocalDpi xmlns:a14="http://schemas.microsoft.com/office/drawing/2010/main" val="0"/>
+              </a:ext>
+            </a:extLst>
+          </a:blip>
+          <a:stretch>
+            <a:fillRect/>
+          </a:stretch>
+        </p:blipFill>
+        <p:spPr>
+          <a:xfrm>
+            <a:off x="1598377" y="3690626"/>
+            <a:ext cx="3791479" cy="514422"/>
+          </a:xfrm>
+          <a:prstGeom prst="rect">
+            <a:avLst/>
+          </a:prstGeom>
+        </p:spPr>
+      </p:pic>
     </p:spTree>
     <p:extLst>
       <p:ext uri="{BB962C8B-B14F-4D97-AF65-F5344CB8AC3E}">
@@ -5708,6 +5766,13 @@
   <p:clrMapOvr>
     <a:masterClrMapping/>
   </p:clrMapOvr>
+  <p:timing>
+    <p:tnLst>
+      <p:par>
+        <p:cTn id="1" dur="indefinite" restart="never" nodeType="tmRoot"/>
+      </p:par>
+    </p:tnLst>
+  </p:timing>
 </p:sld>
 </file>
 
@@ -6041,11 +6106,7 @@
           <a:p>
             <a:r>
               <a:rPr lang="fr-FR" sz="3200" dirty="0" smtClean="0"/>
-              <a:t>Développement de l’application </a:t>
-            </a:r>
-            <a:r>
-              <a:rPr lang="fr-FR" sz="3200" dirty="0" smtClean="0"/>
-              <a:t>web</a:t>
+              <a:t>Développement de l’application web</a:t>
             </a:r>
           </a:p>
           <a:p>
@@ -6058,140 +6119,65 @@
                   </a:schemeClr>
                 </a:solidFill>
               </a:rPr>
-              <a:t>Création </a:t>
-            </a:r>
-            <a:r>
-              <a:rPr lang="fr-FR" sz="2600" dirty="0" smtClean="0">
+              <a:t>Création des relations</a:t>
+            </a:r>
+          </a:p>
+          <a:p>
+            <a:pPr lvl="1"/>
+            <a:r>
+              <a:rPr lang="fr-FR" sz="2800" dirty="0" smtClean="0"/>
+              <a:t>Opérateurs de calculs simples</a:t>
+            </a:r>
+          </a:p>
+          <a:p>
+            <a:pPr lvl="1"/>
+            <a:r>
+              <a:rPr lang="fr-FR" sz="2800" dirty="0" smtClean="0">
                 <a:solidFill>
                   <a:schemeClr val="bg1">
                     <a:lumMod val="85000"/>
                   </a:schemeClr>
                 </a:solidFill>
               </a:rPr>
-              <a:t>des </a:t>
-            </a:r>
-            <a:r>
-              <a:rPr lang="fr-FR" sz="2600" dirty="0" smtClean="0">
+              <a:t>Opérateurs de calculs complexes</a:t>
+            </a:r>
+          </a:p>
+          <a:p>
+            <a:pPr lvl="1"/>
+            <a:r>
+              <a:rPr lang="fr-FR" sz="2800" dirty="0" smtClean="0">
                 <a:solidFill>
                   <a:schemeClr val="bg1">
                     <a:lumMod val="85000"/>
                   </a:schemeClr>
                 </a:solidFill>
               </a:rPr>
-              <a:t>relations</a:t>
-            </a:r>
-          </a:p>
-          <a:p>
-            <a:pPr lvl="1"/>
-            <a:r>
-              <a:rPr lang="fr-FR" sz="2800" dirty="0" smtClean="0"/>
-              <a:t>Opérateurs </a:t>
-            </a:r>
-            <a:r>
-              <a:rPr lang="fr-FR" sz="2800" dirty="0" smtClean="0"/>
-              <a:t>de calculs </a:t>
-            </a:r>
-            <a:r>
-              <a:rPr lang="fr-FR" sz="2800" dirty="0" smtClean="0"/>
-              <a:t>simples</a:t>
-            </a:r>
-          </a:p>
-          <a:p>
-            <a:pPr lvl="1"/>
-            <a:r>
-              <a:rPr lang="fr-FR" sz="2800" dirty="0" smtClean="0">
+              <a:t>Convivialité et design</a:t>
+            </a:r>
+          </a:p>
+          <a:p>
+            <a:r>
+              <a:rPr lang="fr-FR" sz="3200" dirty="0" smtClean="0">
                 <a:solidFill>
                   <a:schemeClr val="bg1">
                     <a:lumMod val="85000"/>
                   </a:schemeClr>
                 </a:solidFill>
               </a:rPr>
-              <a:t>Opérateurs </a:t>
-            </a:r>
-            <a:r>
-              <a:rPr lang="fr-FR" sz="2800" dirty="0" smtClean="0">
+              <a:t>Résultats et états du projet</a:t>
+            </a:r>
+          </a:p>
+          <a:p>
+            <a:r>
+              <a:rPr lang="fr-FR" sz="3200" dirty="0" smtClean="0">
                 <a:solidFill>
                   <a:schemeClr val="bg1">
                     <a:lumMod val="85000"/>
                   </a:schemeClr>
                 </a:solidFill>
               </a:rPr>
-              <a:t>de calculs </a:t>
-            </a:r>
-            <a:r>
-              <a:rPr lang="fr-FR" sz="2800" dirty="0" smtClean="0">
-                <a:solidFill>
-                  <a:schemeClr val="bg1">
-                    <a:lumMod val="85000"/>
-                  </a:schemeClr>
-                </a:solidFill>
-              </a:rPr>
-              <a:t>complexes</a:t>
-            </a:r>
-          </a:p>
-          <a:p>
-            <a:pPr lvl="1"/>
-            <a:r>
-              <a:rPr lang="fr-FR" sz="2800" dirty="0" smtClean="0">
-                <a:solidFill>
-                  <a:schemeClr val="bg1">
-                    <a:lumMod val="85000"/>
-                  </a:schemeClr>
-                </a:solidFill>
-              </a:rPr>
-              <a:t>Convivialité </a:t>
-            </a:r>
-            <a:r>
-              <a:rPr lang="fr-FR" sz="2800" dirty="0" smtClean="0">
-                <a:solidFill>
-                  <a:schemeClr val="bg1">
-                    <a:lumMod val="85000"/>
-                  </a:schemeClr>
-                </a:solidFill>
-              </a:rPr>
-              <a:t>&amp; design</a:t>
-            </a:r>
-          </a:p>
-          <a:p>
-            <a:r>
-              <a:rPr lang="fr-FR" sz="3200" dirty="0" smtClean="0">
-                <a:solidFill>
-                  <a:schemeClr val="bg1">
-                    <a:lumMod val="85000"/>
-                  </a:schemeClr>
-                </a:solidFill>
-              </a:rPr>
-              <a:t>Résultats &amp; états du projet</a:t>
-            </a:r>
-          </a:p>
-          <a:p>
-            <a:r>
-              <a:rPr lang="fr-FR" sz="3200" dirty="0" smtClean="0">
-                <a:solidFill>
-                  <a:schemeClr val="bg1">
-                    <a:lumMod val="85000"/>
-                  </a:schemeClr>
-                </a:solidFill>
-              </a:rPr>
-              <a:t>Conclusion &amp; </a:t>
-            </a:r>
-            <a:r>
-              <a:rPr lang="fr-FR" sz="3200" dirty="0" smtClean="0">
-                <a:solidFill>
-                  <a:schemeClr val="bg1">
-                    <a:lumMod val="85000"/>
-                  </a:schemeClr>
-                </a:solidFill>
-              </a:rPr>
-              <a:t>perspectives</a:t>
-            </a:r>
-            <a:endParaRPr lang="fr-FR" sz="3200" dirty="0" smtClean="0">
-              <a:solidFill>
-                <a:schemeClr val="bg1">
-                  <a:lumMod val="85000"/>
-                </a:schemeClr>
-              </a:solidFill>
-            </a:endParaRPr>
+              <a:t>Conclusion et perspectives</a:t>
+            </a:r>
           </a:p>
         </p:txBody>
       </p:sp>
@@ -6205,6 +6191,13 @@
   <p:clrMapOvr>
     <a:masterClrMapping/>
   </p:clrMapOvr>
+  <p:timing>
+    <p:tnLst>
+      <p:par>
+        <p:cTn id="1" dur="indefinite" restart="never" nodeType="tmRoot"/>
+      </p:par>
+    </p:tnLst>
+  </p:timing>
 </p:sld>
 </file>
 
@@ -6310,7 +6303,7 @@
       </p:sp>
       <p:pic>
         <p:nvPicPr>
-          <p:cNvPr id="6" name="Espace réservé du contenu 4"/>
+          <p:cNvPr id="10" name="Image 9"/>
           <p:cNvPicPr>
             <a:picLocks noChangeAspect="1"/>
           </p:cNvPicPr>
@@ -6330,8 +6323,8 @@
         </p:blipFill>
         <p:spPr>
           <a:xfrm>
-            <a:off x="7251722" y="2121408"/>
-            <a:ext cx="3876526" cy="3332908"/>
+            <a:off x="7061260" y="2121408"/>
+            <a:ext cx="4249868" cy="3906829"/>
           </a:xfrm>
           <a:prstGeom prst="rect">
             <a:avLst/>
@@ -6340,7 +6333,7 @@
       </p:pic>
       <p:pic>
         <p:nvPicPr>
-          <p:cNvPr id="8" name="Image 7"/>
+          <p:cNvPr id="11" name="Image 10"/>
           <p:cNvPicPr>
             <a:picLocks noChangeAspect="1"/>
           </p:cNvPicPr>
@@ -6360,8 +6353,8 @@
         </p:blipFill>
         <p:spPr>
           <a:xfrm>
-            <a:off x="1069848" y="3480689"/>
-            <a:ext cx="5988215" cy="2691511"/>
+            <a:off x="1069848" y="3372150"/>
+            <a:ext cx="4390683" cy="3083196"/>
           </a:xfrm>
           <a:prstGeom prst="rect">
             <a:avLst/>
@@ -6378,6 +6371,13 @@
   <p:clrMapOvr>
     <a:masterClrMapping/>
   </p:clrMapOvr>
+  <p:timing>
+    <p:tnLst>
+      <p:par>
+        <p:cTn id="1" dur="indefinite" restart="never" nodeType="tmRoot"/>
+      </p:par>
+    </p:tnLst>
+  </p:timing>
 </p:sld>
 </file>
 
@@ -6724,8 +6724,11 @@
                   </a:schemeClr>
                 </a:solidFill>
               </a:rPr>
-              <a:t>Création </a:t>
-            </a:r>
+              <a:t>Création des relations</a:t>
+            </a:r>
+          </a:p>
+          <a:p>
+            <a:pPr lvl="1"/>
             <a:r>
               <a:rPr lang="fr-FR" sz="2800" dirty="0" smtClean="0">
                 <a:solidFill>
@@ -6734,8 +6737,18 @@
                   </a:schemeClr>
                 </a:solidFill>
               </a:rPr>
-              <a:t>des </a:t>
-            </a:r>
+              <a:t>Opérateurs de calculs simples</a:t>
+            </a:r>
+          </a:p>
+          <a:p>
+            <a:pPr lvl="1"/>
+            <a:r>
+              <a:rPr lang="fr-FR" sz="2800" dirty="0" smtClean="0"/>
+              <a:t>Opérateurs de calculs complexes</a:t>
+            </a:r>
+          </a:p>
+          <a:p>
+            <a:pPr lvl="1"/>
             <a:r>
               <a:rPr lang="fr-FR" sz="2800" dirty="0" smtClean="0">
                 <a:solidFill>
@@ -6744,120 +6757,32 @@
                   </a:schemeClr>
                 </a:solidFill>
               </a:rPr>
-              <a:t>relations</a:t>
-            </a:r>
-          </a:p>
-          <a:p>
-            <a:pPr lvl="1"/>
-            <a:r>
-              <a:rPr lang="fr-FR" sz="2800" dirty="0" smtClean="0">
+              <a:t>Convivialité et design</a:t>
+            </a:r>
+          </a:p>
+          <a:p>
+            <a:r>
+              <a:rPr lang="fr-FR" sz="3200" dirty="0" smtClean="0">
                 <a:solidFill>
                   <a:schemeClr val="bg1">
                     <a:lumMod val="85000"/>
                   </a:schemeClr>
                 </a:solidFill>
               </a:rPr>
-              <a:t>Opérateurs </a:t>
-            </a:r>
-            <a:r>
-              <a:rPr lang="fr-FR" sz="2800" dirty="0" smtClean="0">
+              <a:t>Résultats et états du projet</a:t>
+            </a:r>
+          </a:p>
+          <a:p>
+            <a:r>
+              <a:rPr lang="fr-FR" sz="3200" dirty="0" smtClean="0">
                 <a:solidFill>
                   <a:schemeClr val="bg1">
                     <a:lumMod val="85000"/>
                   </a:schemeClr>
                 </a:solidFill>
               </a:rPr>
-              <a:t>de calculs </a:t>
-            </a:r>
-            <a:r>
-              <a:rPr lang="fr-FR" sz="2800" dirty="0" smtClean="0">
-                <a:solidFill>
-                  <a:schemeClr val="bg1">
-                    <a:lumMod val="85000"/>
-                  </a:schemeClr>
-                </a:solidFill>
-              </a:rPr>
-              <a:t>simples</a:t>
-            </a:r>
-          </a:p>
-          <a:p>
-            <a:pPr lvl="1"/>
-            <a:r>
-              <a:rPr lang="fr-FR" sz="2800" dirty="0" smtClean="0"/>
-              <a:t>Opérateurs </a:t>
-            </a:r>
-            <a:r>
-              <a:rPr lang="fr-FR" sz="2800" dirty="0" smtClean="0"/>
-              <a:t>de calculs </a:t>
-            </a:r>
-            <a:r>
-              <a:rPr lang="fr-FR" sz="2800" dirty="0" smtClean="0"/>
-              <a:t>complexes</a:t>
-            </a:r>
-          </a:p>
-          <a:p>
-            <a:pPr lvl="1"/>
-            <a:r>
-              <a:rPr lang="fr-FR" sz="2800" dirty="0" smtClean="0">
-                <a:solidFill>
-                  <a:schemeClr val="bg1">
-                    <a:lumMod val="85000"/>
-                  </a:schemeClr>
-                </a:solidFill>
-              </a:rPr>
-              <a:t>Convivialité </a:t>
-            </a:r>
-            <a:r>
-              <a:rPr lang="fr-FR" sz="2800" dirty="0" smtClean="0">
-                <a:solidFill>
-                  <a:schemeClr val="bg1">
-                    <a:lumMod val="85000"/>
-                  </a:schemeClr>
-                </a:solidFill>
-              </a:rPr>
-              <a:t>&amp; design</a:t>
-            </a:r>
-          </a:p>
-          <a:p>
-            <a:r>
-              <a:rPr lang="fr-FR" sz="3200" dirty="0" smtClean="0">
-                <a:solidFill>
-                  <a:schemeClr val="bg1">
-                    <a:lumMod val="85000"/>
-                  </a:schemeClr>
-                </a:solidFill>
-              </a:rPr>
-              <a:t>Résultats &amp; états du projet</a:t>
-            </a:r>
-          </a:p>
-          <a:p>
-            <a:r>
-              <a:rPr lang="fr-FR" sz="3200" dirty="0" smtClean="0">
-                <a:solidFill>
-                  <a:schemeClr val="bg1">
-                    <a:lumMod val="85000"/>
-                  </a:schemeClr>
-                </a:solidFill>
-              </a:rPr>
-              <a:t>Conclusion &amp; </a:t>
-            </a:r>
-            <a:r>
-              <a:rPr lang="fr-FR" sz="3200" dirty="0" smtClean="0">
-                <a:solidFill>
-                  <a:schemeClr val="bg1">
-                    <a:lumMod val="85000"/>
-                  </a:schemeClr>
-                </a:solidFill>
-              </a:rPr>
-              <a:t>perspectives</a:t>
-            </a:r>
-            <a:endParaRPr lang="fr-FR" sz="3200" dirty="0" smtClean="0">
-              <a:solidFill>
-                <a:schemeClr val="bg1">
-                  <a:lumMod val="85000"/>
-                </a:schemeClr>
-              </a:solidFill>
-            </a:endParaRPr>
+              <a:t>Conclusion et perspectives</a:t>
+            </a:r>
           </a:p>
         </p:txBody>
       </p:sp>
@@ -6871,6 +6796,13 @@
   <p:clrMapOvr>
     <a:masterClrMapping/>
   </p:clrMapOvr>
+  <p:timing>
+    <p:tnLst>
+      <p:par>
+        <p:cTn id="1" dur="indefinite" restart="never" nodeType="tmRoot"/>
+      </p:par>
+    </p:tnLst>
+  </p:timing>
 </p:sld>
 </file>
 
@@ -6985,35 +6917,6 @@
       </p:sp>
       <p:pic>
         <p:nvPicPr>
-          <p:cNvPr id="9" name="Espace réservé du contenu 11"/>
-          <p:cNvPicPr>
-            <a:picLocks noGrp="1" noChangeAspect="1"/>
-          </p:cNvPicPr>
-          <p:nvPr>
-            <p:ph sz="half" idx="2"/>
-          </p:nvPr>
-        </p:nvPicPr>
-        <p:blipFill>
-          <a:blip r:embed="rId2">
-            <a:extLst>
-              <a:ext uri="{28A0092B-C50C-407E-A947-70E740481C1C}">
-                <a14:useLocalDpi xmlns:a14="http://schemas.microsoft.com/office/drawing/2010/main" val="0"/>
-              </a:ext>
-            </a:extLst>
-          </a:blip>
-          <a:stretch>
-            <a:fillRect/>
-          </a:stretch>
-        </p:blipFill>
-        <p:spPr>
-          <a:xfrm>
-            <a:off x="363279" y="3064018"/>
-            <a:ext cx="6000945" cy="2650840"/>
-          </a:xfrm>
-        </p:spPr>
-      </p:pic>
-      <p:pic>
-        <p:nvPicPr>
           <p:cNvPr id="10" name="Espace réservé du contenu 10"/>
           <p:cNvPicPr>
             <a:picLocks noGrp="1" noChangeAspect="1"/>
@@ -7023,7 +6926,7 @@
           </p:nvPr>
         </p:nvPicPr>
         <p:blipFill>
-          <a:blip r:embed="rId3">
+          <a:blip r:embed="rId2">
             <a:extLst>
               <a:ext uri="{28A0092B-C50C-407E-A947-70E740481C1C}">
                 <a14:useLocalDpi xmlns:a14="http://schemas.microsoft.com/office/drawing/2010/main" val="0"/>
@@ -7041,6 +6944,35 @@
           </a:xfrm>
         </p:spPr>
       </p:pic>
+      <p:pic>
+        <p:nvPicPr>
+          <p:cNvPr id="6" name="Espace réservé du contenu 5"/>
+          <p:cNvPicPr>
+            <a:picLocks noGrp="1" noChangeAspect="1"/>
+          </p:cNvPicPr>
+          <p:nvPr>
+            <p:ph sz="half" idx="2"/>
+          </p:nvPr>
+        </p:nvPicPr>
+        <p:blipFill>
+          <a:blip r:embed="rId3">
+            <a:extLst>
+              <a:ext uri="{28A0092B-C50C-407E-A947-70E740481C1C}">
+                <a14:useLocalDpi xmlns:a14="http://schemas.microsoft.com/office/drawing/2010/main" val="0"/>
+              </a:ext>
+            </a:extLst>
+          </a:blip>
+          <a:stretch>
+            <a:fillRect/>
+          </a:stretch>
+        </p:blipFill>
+        <p:spPr>
+          <a:xfrm>
+            <a:off x="563633" y="3064017"/>
+            <a:ext cx="5535415" cy="2650841"/>
+          </a:xfrm>
+        </p:spPr>
+      </p:pic>
     </p:spTree>
     <p:extLst>
       <p:ext uri="{BB962C8B-B14F-4D97-AF65-F5344CB8AC3E}">
@@ -7051,6 +6983,13 @@
   <p:clrMapOvr>
     <a:masterClrMapping/>
   </p:clrMapOvr>
+  <p:timing>
+    <p:tnLst>
+      <p:par>
+        <p:cTn id="1" dur="indefinite" restart="never" nodeType="tmRoot"/>
+      </p:par>
+    </p:tnLst>
+  </p:timing>
 </p:sld>
 </file>
 
@@ -7374,8 +7313,11 @@
                   </a:schemeClr>
                 </a:solidFill>
               </a:rPr>
-              <a:t>Création </a:t>
-            </a:r>
+              <a:t>Création des relations</a:t>
+            </a:r>
+          </a:p>
+          <a:p>
+            <a:pPr lvl="1"/>
             <a:r>
               <a:rPr lang="fr-FR" sz="2800" dirty="0" smtClean="0">
                 <a:solidFill>
@@ -7384,8 +7326,11 @@
                   </a:schemeClr>
                 </a:solidFill>
               </a:rPr>
-              <a:t>des </a:t>
-            </a:r>
+              <a:t>Opérateurs de calculs simples</a:t>
+            </a:r>
+          </a:p>
+          <a:p>
+            <a:pPr lvl="1"/>
             <a:r>
               <a:rPr lang="fr-FR" sz="2800" dirty="0" smtClean="0">
                 <a:solidFill>
@@ -7394,126 +7339,66 @@
                   </a:schemeClr>
                 </a:solidFill>
               </a:rPr>
-              <a:t>relations</a:t>
+              <a:t>Opérateurs de calculs complexes</a:t>
             </a:r>
           </a:p>
           <a:p>
             <a:pPr lvl="1"/>
             <a:r>
-              <a:rPr lang="fr-FR" sz="2800" dirty="0" smtClean="0">
+              <a:rPr lang="fr-FR" sz="2800" dirty="0" smtClean="0"/>
+              <a:t>Convivialité et design</a:t>
+            </a:r>
+          </a:p>
+          <a:p>
+            <a:r>
+              <a:rPr lang="fr-FR" sz="3200" dirty="0" smtClean="0">
                 <a:solidFill>
                   <a:schemeClr val="bg1">
                     <a:lumMod val="85000"/>
                   </a:schemeClr>
                 </a:solidFill>
               </a:rPr>
-              <a:t>Opérateurs </a:t>
-            </a:r>
-            <a:r>
-              <a:rPr lang="fr-FR" sz="2800" dirty="0" smtClean="0">
+              <a:t>Résultats et états du projet</a:t>
+            </a:r>
+          </a:p>
+          <a:p>
+            <a:r>
+              <a:rPr lang="fr-FR" sz="3200" dirty="0" smtClean="0">
                 <a:solidFill>
                   <a:schemeClr val="bg1">
                     <a:lumMod val="85000"/>
                   </a:schemeClr>
                 </a:solidFill>
               </a:rPr>
-              <a:t>de calculs </a:t>
-            </a:r>
-            <a:r>
-              <a:rPr lang="fr-FR" sz="2800" dirty="0" smtClean="0">
-                <a:solidFill>
-                  <a:schemeClr val="bg1">
-                    <a:lumMod val="85000"/>
-                  </a:schemeClr>
-                </a:solidFill>
-              </a:rPr>
-              <a:t>simples</a:t>
-            </a:r>
-          </a:p>
-          <a:p>
-            <a:pPr lvl="1"/>
-            <a:r>
-              <a:rPr lang="fr-FR" sz="2800" dirty="0" smtClean="0">
-                <a:solidFill>
-                  <a:schemeClr val="bg1">
-                    <a:lumMod val="85000"/>
-                  </a:schemeClr>
-                </a:solidFill>
-              </a:rPr>
-              <a:t>Opérateurs </a:t>
-            </a:r>
-            <a:r>
-              <a:rPr lang="fr-FR" sz="2800" dirty="0" smtClean="0">
-                <a:solidFill>
-                  <a:schemeClr val="bg1">
-                    <a:lumMod val="85000"/>
-                  </a:schemeClr>
-                </a:solidFill>
-              </a:rPr>
-              <a:t>de calculs </a:t>
-            </a:r>
-            <a:r>
-              <a:rPr lang="fr-FR" sz="2800" dirty="0" smtClean="0">
-                <a:solidFill>
-                  <a:schemeClr val="bg1">
-                    <a:lumMod val="85000"/>
-                  </a:schemeClr>
-                </a:solidFill>
-              </a:rPr>
-              <a:t>complexes</a:t>
-            </a:r>
-          </a:p>
-          <a:p>
-            <a:pPr lvl="1"/>
-            <a:r>
-              <a:rPr lang="fr-FR" sz="2800" dirty="0" smtClean="0"/>
-              <a:t>Convivialité </a:t>
-            </a:r>
-            <a:r>
-              <a:rPr lang="fr-FR" sz="2800" dirty="0" smtClean="0"/>
-              <a:t>&amp; design</a:t>
-            </a:r>
-          </a:p>
-          <a:p>
-            <a:r>
-              <a:rPr lang="fr-FR" sz="3200" dirty="0" smtClean="0">
-                <a:solidFill>
-                  <a:schemeClr val="bg1">
-                    <a:lumMod val="85000"/>
-                  </a:schemeClr>
-                </a:solidFill>
-              </a:rPr>
-              <a:t>Résultats &amp; états du projet</a:t>
-            </a:r>
-          </a:p>
-          <a:p>
-            <a:r>
-              <a:rPr lang="fr-FR" sz="3200" dirty="0" smtClean="0">
-                <a:solidFill>
-                  <a:schemeClr val="bg1">
-                    <a:lumMod val="85000"/>
-                  </a:schemeClr>
-                </a:solidFill>
-              </a:rPr>
-              <a:t>Conclusion &amp; </a:t>
-            </a:r>
-            <a:r>
-              <a:rPr lang="fr-FR" sz="3200" dirty="0" smtClean="0">
-                <a:solidFill>
-                  <a:schemeClr val="bg1">
-                    <a:lumMod val="85000"/>
-                  </a:schemeClr>
-                </a:solidFill>
-              </a:rPr>
-              <a:t>perspectives</a:t>
-            </a:r>
-            <a:endParaRPr lang="fr-FR" sz="3200" dirty="0" smtClean="0">
-              <a:solidFill>
-                <a:schemeClr val="bg1">
-                  <a:lumMod val="85000"/>
-                </a:schemeClr>
-              </a:solidFill>
-            </a:endParaRPr>
+              <a:t>Conclusion et perspectives</a:t>
+            </a:r>
+          </a:p>
+        </p:txBody>
+      </p:sp>
+      <p:sp>
+        <p:nvSpPr>
+          <p:cNvPr id="4" name="Espace réservé du numéro de diapositive 3"/>
+          <p:cNvSpPr>
+            <a:spLocks noGrp="1"/>
+          </p:cNvSpPr>
+          <p:nvPr>
+            <p:ph type="sldNum" sz="quarter" idx="12"/>
+          </p:nvPr>
+        </p:nvSpPr>
+        <p:spPr>
+          <a:xfrm>
+            <a:off x="11311128" y="6272784"/>
+            <a:ext cx="640080" cy="365125"/>
+          </a:xfrm>
+        </p:spPr>
+        <p:txBody>
+          <a:bodyPr/>
+          <a:lstStyle/>
+          <a:p>
+            <a:r>
+              <a:rPr lang="en-US" dirty="0" smtClean="0"/>
+              <a:t>16</a:t>
+            </a:r>
           </a:p>
         </p:txBody>
       </p:sp>
@@ -7527,6 +7412,13 @@
   <p:clrMapOvr>
     <a:masterClrMapping/>
   </p:clrMapOvr>
+  <p:timing>
+    <p:tnLst>
+      <p:par>
+        <p:cTn id="1" dur="indefinite" restart="never" nodeType="tmRoot"/>
+      </p:par>
+    </p:tnLst>
+  </p:timing>
 </p:sld>
 </file>
 
@@ -7564,7 +7456,7 @@
           <a:p>
             <a:r>
               <a:rPr lang="fr-FR" dirty="0" smtClean="0"/>
-              <a:t>Convivialité &amp; design</a:t>
+              <a:t>Convivialité et design</a:t>
             </a:r>
             <a:endParaRPr lang="fr-FR" dirty="0"/>
           </a:p>
@@ -7674,6 +7566,13 @@
   <p:clrMapOvr>
     <a:masterClrMapping/>
   </p:clrMapOvr>
+  <p:timing>
+    <p:tnLst>
+      <p:par>
+        <p:cTn id="1" dur="indefinite" restart="never" nodeType="tmRoot"/>
+      </p:par>
+    </p:tnLst>
+  </p:timing>
 </p:sld>
 </file>
 
@@ -7711,7 +7610,7 @@
           <a:p>
             <a:r>
               <a:rPr lang="fr-FR" dirty="0" smtClean="0"/>
-              <a:t>Convivialité &amp; design</a:t>
+              <a:t>Convivialité et design</a:t>
             </a:r>
             <a:endParaRPr lang="fr-FR" dirty="0"/>
           </a:p>
@@ -7815,6 +7714,13 @@
   <p:clrMapOvr>
     <a:masterClrMapping/>
   </p:clrMapOvr>
+  <p:timing>
+    <p:tnLst>
+      <p:par>
+        <p:cTn id="1" dur="indefinite" restart="never" nodeType="tmRoot"/>
+      </p:par>
+    </p:tnLst>
+  </p:timing>
 </p:sld>
 </file>
 
@@ -8139,7 +8045,7 @@
           <a:p>
             <a:r>
               <a:rPr lang="fr-FR" sz="3200" dirty="0" smtClean="0"/>
-              <a:t>Résultats &amp; états du projet</a:t>
+              <a:t>Résultats et état du projet</a:t>
             </a:r>
           </a:p>
           <a:p>
@@ -8151,25 +8057,36 @@
                   </a:schemeClr>
                 </a:solidFill>
               </a:rPr>
-              <a:t>Conclusion &amp; </a:t>
-            </a:r>
-            <a:r>
-              <a:rPr lang="fr-FR" sz="3200" dirty="0" smtClean="0">
-                <a:solidFill>
-                  <a:schemeClr val="bg1">
-                    <a:lumMod val="85000"/>
-                  </a:schemeClr>
-                </a:solidFill>
-              </a:rPr>
-              <a:t>perspectives</a:t>
-            </a:r>
-            <a:endParaRPr lang="fr-FR" sz="3200" dirty="0" smtClean="0">
-              <a:solidFill>
-                <a:schemeClr val="bg1">
-                  <a:lumMod val="85000"/>
-                </a:schemeClr>
-              </a:solidFill>
-            </a:endParaRPr>
+              <a:t>Conclusion et perspectives</a:t>
+            </a:r>
+          </a:p>
+        </p:txBody>
+      </p:sp>
+      <p:sp>
+        <p:nvSpPr>
+          <p:cNvPr id="3" name="Espace réservé du numéro de diapositive 3"/>
+          <p:cNvSpPr>
+            <a:spLocks noGrp="1"/>
+          </p:cNvSpPr>
+          <p:nvPr>
+            <p:ph type="sldNum" sz="quarter" idx="12"/>
+          </p:nvPr>
+        </p:nvSpPr>
+        <p:spPr>
+          <a:xfrm>
+            <a:off x="11311128" y="6272784"/>
+            <a:ext cx="640080" cy="365125"/>
+          </a:xfrm>
+        </p:spPr>
+        <p:txBody>
+          <a:bodyPr/>
+          <a:lstStyle/>
+          <a:p>
+            <a:r>
+              <a:rPr lang="en-US" dirty="0" smtClean="0"/>
+              <a:t>19</a:t>
+            </a:r>
+            <a:endParaRPr lang="en-US" dirty="0"/>
           </a:p>
         </p:txBody>
       </p:sp>
@@ -8183,6 +8100,13 @@
   <p:clrMapOvr>
     <a:masterClrMapping/>
   </p:clrMapOvr>
+  <p:timing>
+    <p:tnLst>
+      <p:par>
+        <p:cTn id="1" dur="indefinite" restart="never" nodeType="tmRoot"/>
+      </p:par>
+    </p:tnLst>
+  </p:timing>
 </p:sld>
 </file>
 
@@ -8273,8 +8197,8 @@
           </a:lstStyle>
           <a:p>
             <a:r>
-              <a:rPr lang="fr-FR" smtClean="0"/>
-              <a:t>Contraintes &amp; cahier des charges</a:t>
+              <a:rPr lang="fr-FR" dirty="0" smtClean="0"/>
+              <a:t>Contraintes Et cahier des charges</a:t>
             </a:r>
             <a:endParaRPr lang="fr-FR" dirty="0"/>
           </a:p>
@@ -8545,38 +8469,42 @@
           </a:lstStyle>
           <a:p>
             <a:r>
-              <a:rPr lang="fr-FR" sz="2800" smtClean="0"/>
+              <a:rPr lang="fr-FR" sz="2800" dirty="0" smtClean="0"/>
               <a:t>Définir des relations et leurs contenus</a:t>
             </a:r>
           </a:p>
           <a:p>
             <a:r>
-              <a:rPr lang="fr-FR" sz="2800" smtClean="0"/>
+              <a:rPr lang="fr-FR" sz="2800" dirty="0"/>
+              <a:t>Saisir des </a:t>
+            </a:r>
+            <a:r>
+              <a:rPr lang="fr-FR" sz="2800" dirty="0" smtClean="0"/>
+              <a:t>requêtes</a:t>
+            </a:r>
+          </a:p>
+          <a:p>
+            <a:r>
+              <a:rPr lang="fr-FR" sz="2800" dirty="0" smtClean="0"/>
               <a:t>Sauvegarder ses modèles</a:t>
             </a:r>
           </a:p>
           <a:p>
-            <a:r>
-              <a:rPr lang="fr-FR" sz="2800" smtClean="0"/>
-              <a:t>Saisir des requêtes</a:t>
-            </a:r>
-          </a:p>
-          <a:p>
-            <a:endParaRPr lang="fr-FR" sz="2800" smtClean="0"/>
-          </a:p>
-          <a:p>
-            <a:endParaRPr lang="fr-FR" sz="2800" smtClean="0"/>
-          </a:p>
-          <a:p>
-            <a:r>
-              <a:rPr lang="fr-FR" sz="2800" smtClean="0"/>
-              <a:t>Application web simple &amp; fonctionnelle</a:t>
-            </a:r>
-          </a:p>
-          <a:p>
-            <a:r>
-              <a:rPr lang="fr-FR" sz="2800" smtClean="0"/>
-              <a:t>HTML CSS et JS</a:t>
+            <a:endParaRPr lang="fr-FR" sz="2800" dirty="0" smtClean="0"/>
+          </a:p>
+          <a:p>
+            <a:endParaRPr lang="fr-FR" sz="2800" dirty="0" smtClean="0"/>
+          </a:p>
+          <a:p>
+            <a:r>
+              <a:rPr lang="fr-FR" sz="2800" dirty="0" smtClean="0"/>
+              <a:t>Application web simple et fonctionnelle</a:t>
+            </a:r>
+          </a:p>
+          <a:p>
+            <a:r>
+              <a:rPr lang="fr-FR" sz="2800" dirty="0" smtClean="0"/>
+              <a:t>HTML, CSS et JS</a:t>
             </a:r>
             <a:endParaRPr lang="fr-FR" sz="2800" dirty="0"/>
           </a:p>
@@ -8592,6 +8520,13 @@
   <p:clrMapOvr>
     <a:masterClrMapping/>
   </p:clrMapOvr>
+  <p:timing>
+    <p:tnLst>
+      <p:par>
+        <p:cTn id="1" dur="indefinite" restart="never" nodeType="tmRoot"/>
+      </p:par>
+    </p:tnLst>
+  </p:timing>
 </p:sld>
 </file>
 
@@ -8622,33 +8557,19 @@
             <p:ph type="title"/>
           </p:nvPr>
         </p:nvSpPr>
-        <p:spPr/>
+        <p:spPr>
+          <a:xfrm>
+            <a:off x="1169600" y="2413184"/>
+            <a:ext cx="10058400" cy="1609344"/>
+          </a:xfrm>
+        </p:spPr>
         <p:txBody>
           <a:bodyPr/>
           <a:lstStyle/>
           <a:p>
-            <a:endParaRPr lang="fr-FR"/>
-          </a:p>
-        </p:txBody>
-      </p:sp>
-      <p:sp>
-        <p:nvSpPr>
-          <p:cNvPr id="3" name="Espace réservé du contenu 2"/>
-          <p:cNvSpPr>
-            <a:spLocks noGrp="1"/>
-          </p:cNvSpPr>
-          <p:nvPr>
-            <p:ph idx="1"/>
-          </p:nvPr>
-        </p:nvSpPr>
-        <p:spPr/>
-        <p:txBody>
-          <a:bodyPr/>
-          <a:lstStyle/>
-          <a:p>
-            <a:r>
-              <a:rPr lang="fr-FR" dirty="0" err="1" smtClean="0"/>
-              <a:t>Demo</a:t>
+            <a:r>
+              <a:rPr lang="fr-FR" dirty="0" smtClean="0"/>
+              <a:t>Démonstration </a:t>
             </a:r>
             <a:endParaRPr lang="fr-FR" dirty="0"/>
           </a:p>
@@ -8687,6 +8608,13 @@
   <p:clrMapOvr>
     <a:masterClrMapping/>
   </p:clrMapOvr>
+  <p:timing>
+    <p:tnLst>
+      <p:par>
+        <p:cTn id="1" dur="indefinite" restart="never" nodeType="tmRoot"/>
+      </p:par>
+    </p:tnLst>
+  </p:timing>
 </p:sld>
 </file>
 
@@ -8726,7 +8654,7 @@
           <a:p>
             <a:r>
               <a:rPr lang="fr-FR" sz="4400" dirty="0" smtClean="0"/>
-              <a:t>Problèmes rencontrés &amp; solutions apportées</a:t>
+              <a:t>Problèmes rencontrés et solutions apportées</a:t>
             </a:r>
             <a:endParaRPr lang="fr-FR" sz="4400" dirty="0"/>
           </a:p>
@@ -8784,6 +8712,66 @@
           </a:p>
         </p:txBody>
       </p:sp>
+      <p:pic>
+        <p:nvPicPr>
+          <p:cNvPr id="5" name="Image 4"/>
+          <p:cNvPicPr>
+            <a:picLocks noChangeAspect="1"/>
+          </p:cNvPicPr>
+          <p:nvPr/>
+        </p:nvPicPr>
+        <p:blipFill>
+          <a:blip r:embed="rId2">
+            <a:extLst>
+              <a:ext uri="{28A0092B-C50C-407E-A947-70E740481C1C}">
+                <a14:useLocalDpi xmlns:a14="http://schemas.microsoft.com/office/drawing/2010/main" val="0"/>
+              </a:ext>
+            </a:extLst>
+          </a:blip>
+          <a:stretch>
+            <a:fillRect/>
+          </a:stretch>
+        </p:blipFill>
+        <p:spPr>
+          <a:xfrm>
+            <a:off x="6991864" y="3897805"/>
+            <a:ext cx="2881944" cy="1571970"/>
+          </a:xfrm>
+          <a:prstGeom prst="rect">
+            <a:avLst/>
+          </a:prstGeom>
+        </p:spPr>
+      </p:pic>
+      <p:pic>
+        <p:nvPicPr>
+          <p:cNvPr id="6" name="Image 5"/>
+          <p:cNvPicPr>
+            <a:picLocks noChangeAspect="1"/>
+          </p:cNvPicPr>
+          <p:nvPr/>
+        </p:nvPicPr>
+        <p:blipFill>
+          <a:blip r:embed="rId3">
+            <a:extLst>
+              <a:ext uri="{28A0092B-C50C-407E-A947-70E740481C1C}">
+                <a14:useLocalDpi xmlns:a14="http://schemas.microsoft.com/office/drawing/2010/main" val="0"/>
+              </a:ext>
+            </a:extLst>
+          </a:blip>
+          <a:stretch>
+            <a:fillRect/>
+          </a:stretch>
+        </p:blipFill>
+        <p:spPr>
+          <a:xfrm>
+            <a:off x="1255222" y="3228544"/>
+            <a:ext cx="4261935" cy="3044240"/>
+          </a:xfrm>
+          <a:prstGeom prst="rect">
+            <a:avLst/>
+          </a:prstGeom>
+        </p:spPr>
+      </p:pic>
     </p:spTree>
     <p:extLst>
       <p:ext uri="{BB962C8B-B14F-4D97-AF65-F5344CB8AC3E}">
@@ -8794,6 +8782,13 @@
   <p:clrMapOvr>
     <a:masterClrMapping/>
   </p:clrMapOvr>
+  <p:timing>
+    <p:tnLst>
+      <p:par>
+        <p:cTn id="1" dur="indefinite" restart="never" nodeType="tmRoot"/>
+      </p:par>
+    </p:tnLst>
+  </p:timing>
 </p:sld>
 </file>
 
@@ -9124,19 +9119,42 @@
                   </a:schemeClr>
                 </a:solidFill>
               </a:rPr>
-              <a:t>Résultats &amp; états du projet</a:t>
+              <a:t>Résultats et états du projet</a:t>
             </a:r>
           </a:p>
           <a:p>
             <a:r>
               <a:rPr lang="fr-FR" sz="3200" dirty="0" smtClean="0"/>
-              <a:t>Conclusion &amp; </a:t>
-            </a:r>
-            <a:r>
-              <a:rPr lang="fr-FR" sz="3200" dirty="0" smtClean="0"/>
-              <a:t>perspectives</a:t>
-            </a:r>
-            <a:endParaRPr lang="fr-FR" sz="3200" dirty="0" smtClean="0"/>
+              <a:t>Conclusion et perspectives</a:t>
+            </a:r>
+          </a:p>
+        </p:txBody>
+      </p:sp>
+      <p:sp>
+        <p:nvSpPr>
+          <p:cNvPr id="3" name="Espace réservé du numéro de diapositive 3"/>
+          <p:cNvSpPr>
+            <a:spLocks noGrp="1"/>
+          </p:cNvSpPr>
+          <p:nvPr>
+            <p:ph type="sldNum" sz="quarter" idx="12"/>
+          </p:nvPr>
+        </p:nvSpPr>
+        <p:spPr>
+          <a:xfrm>
+            <a:off x="11311128" y="6272784"/>
+            <a:ext cx="640080" cy="365125"/>
+          </a:xfrm>
+        </p:spPr>
+        <p:txBody>
+          <a:bodyPr/>
+          <a:lstStyle/>
+          <a:p>
+            <a:r>
+              <a:rPr lang="en-US" dirty="0" smtClean="0"/>
+              <a:t>22</a:t>
+            </a:r>
+            <a:endParaRPr lang="en-US" dirty="0"/>
           </a:p>
         </p:txBody>
       </p:sp>
@@ -9150,6 +9168,13 @@
   <p:clrMapOvr>
     <a:masterClrMapping/>
   </p:clrMapOvr>
+  <p:timing>
+    <p:tnLst>
+      <p:par>
+        <p:cTn id="1" dur="indefinite" restart="never" nodeType="tmRoot"/>
+      </p:par>
+    </p:tnLst>
+  </p:timing>
 </p:sld>
 </file>
 
@@ -9210,13 +9235,25 @@
           <a:p>
             <a:r>
               <a:rPr lang="fr-FR" dirty="0" smtClean="0"/>
-              <a:t>Apprentissage du travail via outil collaboratif</a:t>
+              <a:t>Cahier des charges respecté</a:t>
+            </a:r>
+          </a:p>
+          <a:p>
+            <a:r>
+              <a:rPr lang="fr-FR" dirty="0" smtClean="0"/>
+              <a:t>Prise en main d’outils de travails collaboratifs</a:t>
             </a:r>
           </a:p>
           <a:p>
             <a:r>
               <a:rPr lang="fr-FR" dirty="0" smtClean="0"/>
               <a:t>Apprentissage du travail de groupe</a:t>
+            </a:r>
+          </a:p>
+          <a:p>
+            <a:r>
+              <a:rPr lang="fr-FR" dirty="0" smtClean="0"/>
+              <a:t>Amélioration de nos compétences en développement web</a:t>
             </a:r>
             <a:endParaRPr lang="fr-FR" dirty="0"/>
           </a:p>
@@ -9255,6 +9292,13 @@
   <p:clrMapOvr>
     <a:masterClrMapping/>
   </p:clrMapOvr>
+  <p:timing>
+    <p:tnLst>
+      <p:par>
+        <p:cTn id="1" dur="indefinite" restart="never" nodeType="tmRoot"/>
+      </p:par>
+    </p:tnLst>
+  </p:timing>
 </p:sld>
 </file>
 
@@ -9327,11 +9371,7 @@
           <a:p>
             <a:r>
               <a:rPr lang="fr-FR" dirty="0" smtClean="0"/>
-              <a:t>Amélioration de l’analyseur </a:t>
-            </a:r>
-            <a:r>
-              <a:rPr lang="fr-FR" dirty="0" smtClean="0"/>
-              <a:t>syntaxique</a:t>
+              <a:t>Amélioration de l’analyseur syntaxique</a:t>
             </a:r>
             <a:endParaRPr lang="fr-FR" dirty="0"/>
           </a:p>
@@ -9370,6 +9410,13 @@
   <p:clrMapOvr>
     <a:masterClrMapping/>
   </p:clrMapOvr>
+  <p:timing>
+    <p:tnLst>
+      <p:par>
+        <p:cTn id="1" dur="indefinite" restart="never" nodeType="tmRoot"/>
+      </p:par>
+    </p:tnLst>
+  </p:timing>
 </p:sld>
 </file>
 
@@ -9471,6 +9518,13 @@
   <p:clrMapOvr>
     <a:masterClrMapping/>
   </p:clrMapOvr>
+  <p:timing>
+    <p:tnLst>
+      <p:par>
+        <p:cTn id="1" dur="indefinite" restart="never" nodeType="tmRoot"/>
+      </p:par>
+    </p:tnLst>
+  </p:timing>
 </p:sld>
 </file>
 
@@ -9556,19 +9610,14 @@
           <a:p>
             <a:r>
               <a:rPr lang="fr-FR" sz="3200" dirty="0" smtClean="0"/>
-              <a:t>Résultats &amp; états du projet</a:t>
+              <a:t>Résultats et état du projet</a:t>
             </a:r>
           </a:p>
           <a:p>
             <a:r>
               <a:rPr lang="fr-FR" sz="3200" dirty="0" smtClean="0"/>
-              <a:t>Conclusion &amp; </a:t>
-            </a:r>
-            <a:r>
-              <a:rPr lang="fr-FR" sz="3200" dirty="0" smtClean="0"/>
-              <a:t>perspectives</a:t>
-            </a:r>
-            <a:endParaRPr lang="fr-FR" sz="3200" dirty="0" smtClean="0"/>
+              <a:t>Conclusion et perspectives</a:t>
+            </a:r>
           </a:p>
         </p:txBody>
       </p:sp>
@@ -9605,6 +9654,13 @@
   <p:clrMapOvr>
     <a:masterClrMapping/>
   </p:clrMapOvr>
+  <p:timing>
+    <p:tnLst>
+      <p:par>
+        <p:cTn id="1" dur="indefinite" restart="never" nodeType="tmRoot"/>
+      </p:par>
+    </p:tnLst>
+  </p:timing>
 </p:sld>
 </file>
 
@@ -9927,7 +9983,7 @@
                   </a:schemeClr>
                 </a:solidFill>
               </a:rPr>
-              <a:t>Résultats &amp; états du projet</a:t>
+              <a:t>Résultats et états du projet</a:t>
             </a:r>
           </a:p>
           <a:p>
@@ -9939,25 +9995,8 @@
                   </a:schemeClr>
                 </a:solidFill>
               </a:rPr>
-              <a:t>Conclusion &amp; </a:t>
-            </a:r>
-            <a:r>
-              <a:rPr lang="fr-FR" sz="3200" dirty="0" smtClean="0">
-                <a:solidFill>
-                  <a:schemeClr val="bg1">
-                    <a:lumMod val="85000"/>
-                  </a:schemeClr>
-                </a:solidFill>
-              </a:rPr>
-              <a:t>perspectives</a:t>
-            </a:r>
-            <a:endParaRPr lang="fr-FR" sz="3200" dirty="0" smtClean="0">
-              <a:solidFill>
-                <a:schemeClr val="bg1">
-                  <a:lumMod val="85000"/>
-                </a:schemeClr>
-              </a:solidFill>
-            </a:endParaRPr>
+              <a:t>Conclusion et perspectives</a:t>
+            </a:r>
           </a:p>
         </p:txBody>
       </p:sp>
@@ -9994,6 +10033,13 @@
   <p:clrMapOvr>
     <a:masterClrMapping/>
   </p:clrMapOvr>
+  <p:timing>
+    <p:tnLst>
+      <p:par>
+        <p:cTn id="1" dur="indefinite" restart="never" nodeType="tmRoot"/>
+      </p:par>
+    </p:tnLst>
+  </p:timing>
 </p:sld>
 </file>
 
@@ -10067,7 +10113,15 @@
             </a:r>
             <a:r>
               <a:rPr lang="en-US" sz="2700" dirty="0"/>
-              <a:t>A relational Model of Data for Large Shared Data Banks, CACM, Juin </a:t>
+              <a:t>A relational Model of Data for Large Shared Data </a:t>
+            </a:r>
+            <a:r>
+              <a:rPr lang="en-US" sz="2700" dirty="0" smtClean="0"/>
+              <a:t>Banks, </a:t>
+            </a:r>
+            <a:r>
+              <a:rPr lang="en-US" sz="2700" dirty="0"/>
+              <a:t>Juin </a:t>
             </a:r>
             <a:r>
               <a:rPr lang="en-US" sz="2700" dirty="0" smtClean="0"/>
@@ -10189,6 +10243,13 @@
   <p:clrMapOvr>
     <a:masterClrMapping/>
   </p:clrMapOvr>
+  <p:timing>
+    <p:tnLst>
+      <p:par>
+        <p:cTn id="1" dur="indefinite" restart="never" nodeType="tmRoot"/>
+      </p:par>
+    </p:tnLst>
+  </p:timing>
 </p:sld>
 </file>
 
@@ -10577,7 +10638,7 @@
                   </a:schemeClr>
                 </a:solidFill>
               </a:rPr>
-              <a:t>Résultats &amp; états du projet</a:t>
+              <a:t>Résultats et états du projet</a:t>
             </a:r>
           </a:p>
           <a:p>
@@ -10589,25 +10650,8 @@
                   </a:schemeClr>
                 </a:solidFill>
               </a:rPr>
-              <a:t>Conclusion &amp; </a:t>
-            </a:r>
-            <a:r>
-              <a:rPr lang="fr-FR" sz="3200" dirty="0" smtClean="0">
-                <a:solidFill>
-                  <a:schemeClr val="bg1">
-                    <a:lumMod val="85000"/>
-                  </a:schemeClr>
-                </a:solidFill>
-              </a:rPr>
-              <a:t>perspectives</a:t>
-            </a:r>
-            <a:endParaRPr lang="fr-FR" sz="3200" dirty="0" smtClean="0">
-              <a:solidFill>
-                <a:schemeClr val="bg1">
-                  <a:lumMod val="85000"/>
-                </a:schemeClr>
-              </a:solidFill>
-            </a:endParaRPr>
+              <a:t>Conclusion et perspectives</a:t>
+            </a:r>
           </a:p>
         </p:txBody>
       </p:sp>
@@ -10621,6 +10665,13 @@
   <p:clrMapOvr>
     <a:masterClrMapping/>
   </p:clrMapOvr>
+  <p:timing>
+    <p:tnLst>
+      <p:par>
+        <p:cTn id="1" dur="indefinite" restart="never" nodeType="tmRoot"/>
+      </p:par>
+    </p:tnLst>
+  </p:timing>
 </p:sld>
 </file>
 
@@ -10770,6 +10821,13 @@
   <p:clrMapOvr>
     <a:masterClrMapping/>
   </p:clrMapOvr>
+  <p:timing>
+    <p:tnLst>
+      <p:par>
+        <p:cTn id="1" dur="indefinite" restart="never" nodeType="tmRoot"/>
+      </p:par>
+    </p:tnLst>
+  </p:timing>
 </p:sld>
 </file>
 
@@ -11104,29 +11162,28 @@
                   </a:schemeClr>
                 </a:solidFill>
               </a:rPr>
-              <a:t>Contraintes &amp; cahier des charges</a:t>
+              <a:t>Organisation du travail</a:t>
             </a:r>
           </a:p>
           <a:p>
             <a:pPr lvl="1"/>
             <a:r>
-              <a:rPr lang="fr-FR" sz="3000" dirty="0" smtClean="0">
+              <a:rPr lang="fr-FR" sz="3000" dirty="0" smtClean="0"/>
+              <a:t>Modèle de données</a:t>
+            </a:r>
+            <a:endParaRPr lang="fr-FR" sz="3200" dirty="0" smtClean="0"/>
+          </a:p>
+          <a:p>
+            <a:r>
+              <a:rPr lang="fr-FR" sz="3200" dirty="0" smtClean="0">
                 <a:solidFill>
                   <a:schemeClr val="bg1">
                     <a:lumMod val="85000"/>
                   </a:schemeClr>
                 </a:solidFill>
               </a:rPr>
-              <a:t>Organisation du travail</a:t>
-            </a:r>
-          </a:p>
-          <a:p>
-            <a:pPr lvl="1"/>
-            <a:r>
-              <a:rPr lang="fr-FR" sz="3000" dirty="0" smtClean="0"/>
-              <a:t>Modèle de données</a:t>
-            </a:r>
-            <a:endParaRPr lang="fr-FR" sz="3200" dirty="0" smtClean="0"/>
+              <a:t>Développement de l’application web</a:t>
+            </a:r>
           </a:p>
           <a:p>
             <a:r>
@@ -11137,7 +11194,7 @@
                   </a:schemeClr>
                 </a:solidFill>
               </a:rPr>
-              <a:t>Développement de l’application web</a:t>
+              <a:t>Résultats et états du projet</a:t>
             </a:r>
           </a:p>
           <a:p>
@@ -11149,37 +11206,8 @@
                   </a:schemeClr>
                 </a:solidFill>
               </a:rPr>
-              <a:t>Résultats &amp; états du projet</a:t>
-            </a:r>
-          </a:p>
-          <a:p>
-            <a:r>
-              <a:rPr lang="fr-FR" sz="3200" dirty="0" smtClean="0">
-                <a:solidFill>
-                  <a:schemeClr val="bg1">
-                    <a:lumMod val="85000"/>
-                  </a:schemeClr>
-                </a:solidFill>
-              </a:rPr>
-              <a:t>Conclusion &amp; </a:t>
-            </a:r>
-            <a:r>
-              <a:rPr lang="fr-FR" sz="3200" dirty="0" smtClean="0">
-                <a:solidFill>
-                  <a:schemeClr val="bg1">
-                    <a:lumMod val="85000"/>
-                  </a:schemeClr>
-                </a:solidFill>
-              </a:rPr>
-              <a:t>perspectives</a:t>
-            </a:r>
-            <a:endParaRPr lang="fr-FR" sz="3200" dirty="0" smtClean="0">
-              <a:solidFill>
-                <a:schemeClr val="bg1">
-                  <a:lumMod val="85000"/>
-                </a:schemeClr>
-              </a:solidFill>
-            </a:endParaRPr>
+              <a:t>Conclusion et perspectives</a:t>
+            </a:r>
           </a:p>
         </p:txBody>
       </p:sp>
@@ -11193,6 +11221,13 @@
   <p:clrMapOvr>
     <a:masterClrMapping/>
   </p:clrMapOvr>
+  <p:timing>
+    <p:tnLst>
+      <p:par>
+        <p:cTn id="1" dur="indefinite" restart="never" nodeType="tmRoot"/>
+      </p:par>
+    </p:tnLst>
+  </p:timing>
 </p:sld>
 </file>
 
@@ -11223,7 +11258,12 @@
             <p:ph type="title"/>
           </p:nvPr>
         </p:nvSpPr>
-        <p:spPr/>
+        <p:spPr>
+          <a:xfrm>
+            <a:off x="1069848" y="118872"/>
+            <a:ext cx="10058400" cy="1609344"/>
+          </a:xfrm>
+        </p:spPr>
         <p:txBody>
           <a:bodyPr/>
           <a:lstStyle/>
@@ -11236,15 +11276,36 @@
           </a:p>
         </p:txBody>
       </p:sp>
+      <p:sp>
+        <p:nvSpPr>
+          <p:cNvPr id="2" name="Espace réservé du numéro de diapositive 1"/>
+          <p:cNvSpPr>
+            <a:spLocks noGrp="1"/>
+          </p:cNvSpPr>
+          <p:nvPr>
+            <p:ph type="sldNum" sz="quarter" idx="12"/>
+          </p:nvPr>
+        </p:nvSpPr>
+        <p:spPr/>
+        <p:txBody>
+          <a:bodyPr/>
+          <a:lstStyle/>
+          <a:p>
+            <a:fld id="{4FAB73BC-B049-4115-A692-8D63A059BFB8}" type="slidenum">
+              <a:rPr lang="en-US" smtClean="0"/>
+              <a:t>9</a:t>
+            </a:fld>
+            <a:endParaRPr lang="en-US" dirty="0"/>
+          </a:p>
+        </p:txBody>
+      </p:sp>
       <p:pic>
         <p:nvPicPr>
-          <p:cNvPr id="5" name="Espace réservé du contenu 4"/>
+          <p:cNvPr id="7" name="Image 6"/>
           <p:cNvPicPr>
-            <a:picLocks noGrp="1" noChangeAspect="1"/>
+            <a:picLocks noChangeAspect="1"/>
           </p:cNvPicPr>
-          <p:nvPr>
-            <p:ph idx="1"/>
-          </p:nvPr>
+          <p:nvPr/>
         </p:nvPicPr>
         <p:blipFill>
           <a:blip r:embed="rId2">
@@ -11260,37 +11321,17 @@
         </p:blipFill>
         <p:spPr>
           <a:xfrm>
-            <a:off x="8035111" y="2368254"/>
-            <a:ext cx="3093137" cy="2556827"/>
+            <a:off x="1152975" y="4098137"/>
+            <a:ext cx="4766177" cy="2270206"/>
           </a:xfrm>
+          <a:prstGeom prst="rect">
+            <a:avLst/>
+          </a:prstGeom>
         </p:spPr>
       </p:pic>
-      <p:sp>
-        <p:nvSpPr>
-          <p:cNvPr id="2" name="Espace réservé du numéro de diapositive 1"/>
-          <p:cNvSpPr>
-            <a:spLocks noGrp="1"/>
-          </p:cNvSpPr>
-          <p:nvPr>
-            <p:ph type="sldNum" sz="quarter" idx="12"/>
-          </p:nvPr>
-        </p:nvSpPr>
-        <p:spPr/>
-        <p:txBody>
-          <a:bodyPr/>
-          <a:lstStyle/>
-          <a:p>
-            <a:fld id="{4FAB73BC-B049-4115-A692-8D63A059BFB8}" type="slidenum">
-              <a:rPr lang="en-US" smtClean="0"/>
-              <a:t>9</a:t>
-            </a:fld>
-            <a:endParaRPr lang="en-US" dirty="0"/>
-          </a:p>
-        </p:txBody>
-      </p:sp>
       <p:pic>
         <p:nvPicPr>
-          <p:cNvPr id="4" name="Image 3"/>
+          <p:cNvPr id="8" name="Image 7"/>
           <p:cNvPicPr>
             <a:picLocks noChangeAspect="1"/>
           </p:cNvPicPr>
@@ -11310,12 +11351,41 @@
         </p:blipFill>
         <p:spPr>
           <a:xfrm>
-            <a:off x="1069848" y="2443967"/>
-            <a:ext cx="5360410" cy="3411170"/>
+            <a:off x="7029341" y="1728216"/>
+            <a:ext cx="4098907" cy="3697380"/>
           </a:xfrm>
           <a:prstGeom prst="rect">
             <a:avLst/>
           </a:prstGeom>
+        </p:spPr>
+      </p:pic>
+      <p:pic>
+        <p:nvPicPr>
+          <p:cNvPr id="10" name="Espace réservé du contenu 9"/>
+          <p:cNvPicPr>
+            <a:picLocks noGrp="1" noChangeAspect="1"/>
+          </p:cNvPicPr>
+          <p:nvPr>
+            <p:ph idx="1"/>
+          </p:nvPr>
+        </p:nvPicPr>
+        <p:blipFill>
+          <a:blip r:embed="rId4">
+            <a:extLst>
+              <a:ext uri="{28A0092B-C50C-407E-A947-70E740481C1C}">
+                <a14:useLocalDpi xmlns:a14="http://schemas.microsoft.com/office/drawing/2010/main" val="0"/>
+              </a:ext>
+            </a:extLst>
+          </a:blip>
+          <a:stretch>
+            <a:fillRect/>
+          </a:stretch>
+        </p:blipFill>
+        <p:spPr>
+          <a:xfrm>
+            <a:off x="1069848" y="1728216"/>
+            <a:ext cx="2759326" cy="1970948"/>
+          </a:xfrm>
         </p:spPr>
       </p:pic>
     </p:spTree>
@@ -11328,6 +11398,13 @@
   <p:clrMapOvr>
     <a:masterClrMapping/>
   </p:clrMapOvr>
+  <p:timing>
+    <p:tnLst>
+      <p:par>
+        <p:cTn id="1" dur="indefinite" restart="never" nodeType="tmRoot"/>
+      </p:par>
+    </p:tnLst>
+  </p:timing>
 </p:sld>
 </file>
 
